--- a/LabSession0 - Initial Setup with Docker.pptx
+++ b/LabSession0 - Initial Setup with Docker.pptx
@@ -6,13 +6,14 @@
     <p:sldMasterId id="2147483672" r:id="rId2"/>
   </p:sldMasterIdLst>
   <p:notesMasterIdLst>
-    <p:notesMasterId r:id="rId7"/>
+    <p:notesMasterId r:id="rId8"/>
   </p:notesMasterIdLst>
   <p:sldIdLst>
     <p:sldId id="256" r:id="rId3"/>
     <p:sldId id="303" r:id="rId4"/>
     <p:sldId id="304" r:id="rId5"/>
-    <p:sldId id="305" r:id="rId6"/>
+    <p:sldId id="306" r:id="rId6"/>
+    <p:sldId id="305" r:id="rId7"/>
   </p:sldIdLst>
   <p:sldSz cx="9144000" cy="6858000" type="screen4x3"/>
   <p:notesSz cx="6858000" cy="9144000"/>
@@ -119,6 +120,7 @@
             <p14:sldId id="256"/>
             <p14:sldId id="303"/>
             <p14:sldId id="304"/>
+            <p14:sldId id="306"/>
             <p14:sldId id="305"/>
           </p14:sldIdLst>
         </p14:section>
@@ -225,7 +227,7 @@
           <a:p>
             <a:fld id="{2CC5598C-FF10-4AF1-BC63-A7C8964CD468}" type="datetimeFigureOut">
               <a:rPr lang="en-US" smtClean="0"/>
-              <a:t>10/8/2020</a:t>
+              <a:t>10/12/2020</a:t>
             </a:fld>
             <a:endParaRPr lang="en-US"/>
           </a:p>
@@ -384,7 +386,7 @@
           <a:p>
             <a:fld id="{579EA76A-0A3F-4C6E-BCAD-3645DACBB6C6}" type="slidenum">
               <a:rPr lang="en-US" smtClean="0"/>
-              <a:t>‹#›</a:t>
+              <a:t>‹N›</a:t>
             </a:fld>
             <a:endParaRPr lang="en-US"/>
           </a:p>
@@ -925,7 +927,7 @@
           <a:p>
             <a:fld id="{21D15A9C-11B4-4C77-BDEA-04E3D7D1DFC0}" type="slidenum">
               <a:rPr lang="en-US" smtClean="0"/>
-              <a:t>‹#›</a:t>
+              <a:t>‹N›</a:t>
             </a:fld>
             <a:endParaRPr lang="en-US"/>
           </a:p>
@@ -1102,7 +1104,7 @@
           <a:p>
             <a:fld id="{21D15A9C-11B4-4C77-BDEA-04E3D7D1DFC0}" type="slidenum">
               <a:rPr lang="en-US" smtClean="0"/>
-              <a:t>‹#›</a:t>
+              <a:t>‹N›</a:t>
             </a:fld>
             <a:endParaRPr lang="en-US"/>
           </a:p>
@@ -1289,7 +1291,7 @@
           <a:p>
             <a:fld id="{21D15A9C-11B4-4C77-BDEA-04E3D7D1DFC0}" type="slidenum">
               <a:rPr lang="en-US" smtClean="0"/>
-              <a:t>‹#›</a:t>
+              <a:t>‹N›</a:t>
             </a:fld>
             <a:endParaRPr lang="en-US"/>
           </a:p>
@@ -1687,7 +1689,7 @@
           <a:p>
             <a:fld id="{B6BBDCE0-C0AA-484E-A956-04C10F83074F}" type="slidenum">
               <a:rPr lang="en-US" smtClean="0"/>
-              <a:t>‹#›</a:t>
+              <a:t>‹N›</a:t>
             </a:fld>
             <a:endParaRPr lang="en-US"/>
           </a:p>
@@ -1962,7 +1964,7 @@
           <a:p>
             <a:fld id="{B6BBDCE0-C0AA-484E-A956-04C10F83074F}" type="slidenum">
               <a:rPr lang="en-US" smtClean="0"/>
-              <a:t>‹#›</a:t>
+              <a:t>‹N›</a:t>
             </a:fld>
             <a:endParaRPr lang="en-US"/>
           </a:p>
@@ -2231,7 +2233,7 @@
           <a:p>
             <a:fld id="{B6BBDCE0-C0AA-484E-A956-04C10F83074F}" type="slidenum">
               <a:rPr lang="en-US" smtClean="0"/>
-              <a:t>‹#›</a:t>
+              <a:t>‹N›</a:t>
             </a:fld>
             <a:endParaRPr lang="en-US"/>
           </a:p>
@@ -2636,7 +2638,7 @@
           <a:p>
             <a:fld id="{B6BBDCE0-C0AA-484E-A956-04C10F83074F}" type="slidenum">
               <a:rPr lang="en-US" smtClean="0"/>
-              <a:t>‹#›</a:t>
+              <a:t>‹N›</a:t>
             </a:fld>
             <a:endParaRPr lang="en-US"/>
           </a:p>
@@ -2785,7 +2787,7 @@
           <a:p>
             <a:fld id="{B6BBDCE0-C0AA-484E-A956-04C10F83074F}" type="slidenum">
               <a:rPr lang="en-US" smtClean="0"/>
-              <a:t>‹#›</a:t>
+              <a:t>‹N›</a:t>
             </a:fld>
             <a:endParaRPr lang="en-US"/>
           </a:p>
@@ -2903,7 +2905,7 @@
           <a:p>
             <a:fld id="{B6BBDCE0-C0AA-484E-A956-04C10F83074F}" type="slidenum">
               <a:rPr lang="en-US" smtClean="0"/>
-              <a:t>‹#›</a:t>
+              <a:t>‹N›</a:t>
             </a:fld>
             <a:endParaRPr lang="en-US"/>
           </a:p>
@@ -3212,7 +3214,7 @@
           <a:p>
             <a:fld id="{B6BBDCE0-C0AA-484E-A956-04C10F83074F}" type="slidenum">
               <a:rPr lang="en-US" smtClean="0"/>
-              <a:t>‹#›</a:t>
+              <a:t>‹N›</a:t>
             </a:fld>
             <a:endParaRPr lang="en-US"/>
           </a:p>
@@ -3367,7 +3369,7 @@
           <a:p>
             <a:fld id="{21D15A9C-11B4-4C77-BDEA-04E3D7D1DFC0}" type="slidenum">
               <a:rPr lang="en-US" smtClean="0"/>
-              <a:t>‹#›</a:t>
+              <a:t>‹N›</a:t>
             </a:fld>
             <a:endParaRPr lang="en-US"/>
           </a:p>
@@ -3652,7 +3654,7 @@
           <a:p>
             <a:fld id="{B6BBDCE0-C0AA-484E-A956-04C10F83074F}" type="slidenum">
               <a:rPr lang="en-US" smtClean="0"/>
-              <a:t>‹#›</a:t>
+              <a:t>‹N›</a:t>
             </a:fld>
             <a:endParaRPr lang="en-US"/>
           </a:p>
@@ -3861,7 +3863,7 @@
           <a:p>
             <a:fld id="{B6BBDCE0-C0AA-484E-A956-04C10F83074F}" type="slidenum">
               <a:rPr lang="en-US" smtClean="0"/>
-              <a:t>‹#›</a:t>
+              <a:t>‹N›</a:t>
             </a:fld>
             <a:endParaRPr lang="en-US"/>
           </a:p>
@@ -4070,7 +4072,7 @@
           <a:p>
             <a:fld id="{B6BBDCE0-C0AA-484E-A956-04C10F83074F}" type="slidenum">
               <a:rPr lang="en-US" smtClean="0"/>
-              <a:t>‹#›</a:t>
+              <a:t>‹N›</a:t>
             </a:fld>
             <a:endParaRPr lang="en-US"/>
           </a:p>
@@ -4321,7 +4323,7 @@
           <a:p>
             <a:fld id="{21D15A9C-11B4-4C77-BDEA-04E3D7D1DFC0}" type="slidenum">
               <a:rPr lang="en-US" smtClean="0"/>
-              <a:t>‹#›</a:t>
+              <a:t>‹N›</a:t>
             </a:fld>
             <a:endParaRPr lang="en-US"/>
           </a:p>
@@ -4650,7 +4652,7 @@
           <a:p>
             <a:fld id="{21D15A9C-11B4-4C77-BDEA-04E3D7D1DFC0}" type="slidenum">
               <a:rPr lang="en-US" smtClean="0"/>
-              <a:t>‹#›</a:t>
+              <a:t>‹N›</a:t>
             </a:fld>
             <a:endParaRPr lang="en-US"/>
           </a:p>
@@ -5085,7 +5087,7 @@
           <a:p>
             <a:fld id="{21D15A9C-11B4-4C77-BDEA-04E3D7D1DFC0}" type="slidenum">
               <a:rPr lang="en-US" smtClean="0"/>
-              <a:t>‹#›</a:t>
+              <a:t>‹N›</a:t>
             </a:fld>
             <a:endParaRPr lang="en-US"/>
           </a:p>
@@ -5210,7 +5212,7 @@
           <a:p>
             <a:fld id="{21D15A9C-11B4-4C77-BDEA-04E3D7D1DFC0}" type="slidenum">
               <a:rPr lang="en-US" smtClean="0"/>
-              <a:t>‹#›</a:t>
+              <a:t>‹N›</a:t>
             </a:fld>
             <a:endParaRPr lang="en-US"/>
           </a:p>
@@ -5312,7 +5314,7 @@
           <a:p>
             <a:fld id="{21D15A9C-11B4-4C77-BDEA-04E3D7D1DFC0}" type="slidenum">
               <a:rPr lang="en-US" smtClean="0"/>
-              <a:t>‹#›</a:t>
+              <a:t>‹N›</a:t>
             </a:fld>
             <a:endParaRPr lang="en-US"/>
           </a:p>
@@ -5596,7 +5598,7 @@
           <a:p>
             <a:fld id="{21D15A9C-11B4-4C77-BDEA-04E3D7D1DFC0}" type="slidenum">
               <a:rPr lang="en-US" smtClean="0"/>
-              <a:t>‹#›</a:t>
+              <a:t>‹N›</a:t>
             </a:fld>
             <a:endParaRPr lang="en-US"/>
           </a:p>
@@ -5860,7 +5862,7 @@
           <a:p>
             <a:fld id="{21D15A9C-11B4-4C77-BDEA-04E3D7D1DFC0}" type="slidenum">
               <a:rPr lang="en-US" smtClean="0"/>
-              <a:t>‹#›</a:t>
+              <a:t>‹N›</a:t>
             </a:fld>
             <a:endParaRPr lang="en-US"/>
           </a:p>
@@ -6073,7 +6075,7 @@
             <a:fld id="{21D15A9C-11B4-4C77-BDEA-04E3D7D1DFC0}" type="slidenum">
               <a:rPr lang="en-US" smtClean="0"/>
               <a:pPr/>
-              <a:t>‹#›</a:t>
+              <a:t>‹N›</a:t>
             </a:fld>
             <a:endParaRPr lang="en-US" dirty="0"/>
           </a:p>
@@ -7638,98 +7640,6 @@
       </p:grpSpPr>
       <p:sp>
         <p:nvSpPr>
-          <p:cNvPr id="2" name="Titolo 1">
-            <a:extLst>
-              <a:ext uri="{FF2B5EF4-FFF2-40B4-BE49-F238E27FC236}">
-                <a16:creationId xmlns:a16="http://schemas.microsoft.com/office/drawing/2014/main" id="{A3EBBD06-D7F7-4BCF-A9C5-DF5E66E37FB6}"/>
-              </a:ext>
-            </a:extLst>
-          </p:cNvPr>
-          <p:cNvSpPr>
-            <a:spLocks noGrp="1"/>
-          </p:cNvSpPr>
-          <p:nvPr>
-            <p:ph type="title"/>
-          </p:nvPr>
-        </p:nvSpPr>
-        <p:spPr/>
-        <p:txBody>
-          <a:bodyPr>
-            <a:normAutofit fontScale="90000"/>
-          </a:bodyPr>
-          <a:lstStyle/>
-          <a:p>
-            <a:r>
-              <a:rPr lang="en-GB" dirty="0"/>
-              <a:t>Step 2: Build and Run Docker Container</a:t>
-            </a:r>
-          </a:p>
-        </p:txBody>
-      </p:sp>
-      <p:sp>
-        <p:nvSpPr>
-          <p:cNvPr id="4" name="Segnaposto data 3">
-            <a:extLst>
-              <a:ext uri="{FF2B5EF4-FFF2-40B4-BE49-F238E27FC236}">
-                <a16:creationId xmlns:a16="http://schemas.microsoft.com/office/drawing/2014/main" id="{B176CF24-AA45-4FDE-951D-F37AD6A9C917}"/>
-              </a:ext>
-            </a:extLst>
-          </p:cNvPr>
-          <p:cNvSpPr>
-            <a:spLocks noGrp="1"/>
-          </p:cNvSpPr>
-          <p:nvPr>
-            <p:ph type="dt" sz="half" idx="10"/>
-          </p:nvPr>
-        </p:nvSpPr>
-        <p:spPr>
-          <a:xfrm>
-            <a:off x="411892" y="6361329"/>
-            <a:ext cx="2509108" cy="365125"/>
-          </a:xfrm>
-        </p:spPr>
-        <p:txBody>
-          <a:bodyPr/>
-          <a:lstStyle/>
-          <a:p>
-            <a:r>
-              <a:rPr lang="en-US" dirty="0"/>
-              <a:t>Initial Setup – Pierluigi Zama Ramirez</a:t>
-            </a:r>
-          </a:p>
-        </p:txBody>
-      </p:sp>
-      <p:sp>
-        <p:nvSpPr>
-          <p:cNvPr id="5" name="Segnaposto numero diapositiva 4">
-            <a:extLst>
-              <a:ext uri="{FF2B5EF4-FFF2-40B4-BE49-F238E27FC236}">
-                <a16:creationId xmlns:a16="http://schemas.microsoft.com/office/drawing/2014/main" id="{0EE75275-A594-4CE5-988C-3B24E757DFAA}"/>
-              </a:ext>
-            </a:extLst>
-          </p:cNvPr>
-          <p:cNvSpPr>
-            <a:spLocks noGrp="1"/>
-          </p:cNvSpPr>
-          <p:nvPr>
-            <p:ph type="sldNum" sz="quarter" idx="12"/>
-          </p:nvPr>
-        </p:nvSpPr>
-        <p:spPr/>
-        <p:txBody>
-          <a:bodyPr/>
-          <a:lstStyle/>
-          <a:p>
-            <a:fld id="{21D15A9C-11B4-4C77-BDEA-04E3D7D1DFC0}" type="slidenum">
-              <a:rPr lang="en-US" smtClean="0"/>
-              <a:t>3</a:t>
-            </a:fld>
-            <a:endParaRPr lang="en-US" dirty="0"/>
-          </a:p>
-        </p:txBody>
-      </p:sp>
-      <p:sp>
-        <p:nvSpPr>
           <p:cNvPr id="3" name="TextBox 2">
             <a:extLst>
               <a:ext uri="{FF2B5EF4-FFF2-40B4-BE49-F238E27FC236}">
@@ -7743,7 +7653,7 @@
         <p:spPr>
           <a:xfrm>
             <a:off x="280555" y="2047009"/>
-            <a:ext cx="8492743" cy="3539430"/>
+            <a:ext cx="8492743" cy="3046988"/>
           </a:xfrm>
           <a:prstGeom prst="rect">
             <a:avLst/>
@@ -7792,6 +7702,41 @@
               <a:rPr lang="en-GB" sz="1600" dirty="0"/>
               <a:t>Execute the following command to build the docker container: </a:t>
             </a:r>
+          </a:p>
+          <a:p>
+            <a:pPr marL="342900" indent="-342900">
+              <a:buFont typeface="+mj-lt"/>
+              <a:buAutoNum type="arabicPeriod"/>
+            </a:pPr>
+            <a:endParaRPr lang="en-US" sz="1600" dirty="0"/>
+          </a:p>
+          <a:p>
+            <a:pPr marL="342900" indent="-342900">
+              <a:buFont typeface="+mj-lt"/>
+              <a:buAutoNum type="arabicPeriod"/>
+            </a:pPr>
+            <a:r>
+              <a:rPr lang="en-GB" sz="1600" dirty="0"/>
+              <a:t>Download the Lab Session .zip file and unzip it. Remember the path to the </a:t>
+            </a:r>
+            <a:r>
+              <a:rPr lang="en-GB" sz="1600" b="1" dirty="0"/>
+              <a:t>unzipped folder path: </a:t>
+            </a:r>
+          </a:p>
+          <a:p>
+            <a:pPr marL="342900" indent="-342900">
+              <a:buFont typeface="+mj-lt"/>
+              <a:buAutoNum type="arabicPeriod"/>
+            </a:pPr>
+            <a:endParaRPr lang="en-GB" sz="1600" b="1" dirty="0"/>
+          </a:p>
+          <a:p>
+            <a:pPr marL="342900" indent="-342900">
+              <a:buFont typeface="+mj-lt"/>
+              <a:buAutoNum type="arabicPeriod"/>
+            </a:pPr>
+            <a:endParaRPr lang="en-GB" sz="1600" b="1" dirty="0"/>
           </a:p>
           <a:p>
             <a:pPr marL="342900" indent="-342900">
@@ -7805,62 +7750,11 @@
               <a:buFont typeface="+mj-lt"/>
               <a:buAutoNum type="arabicPeriod"/>
             </a:pPr>
-            <a:endParaRPr lang="en-US" sz="1600" dirty="0"/>
-          </a:p>
-          <a:p>
-            <a:pPr marL="342900" indent="-342900">
-              <a:buFont typeface="+mj-lt"/>
-              <a:buAutoNum type="arabicPeriod"/>
-            </a:pPr>
             <a:r>
               <a:rPr lang="en-GB" sz="1600" dirty="0"/>
-              <a:t>Download the Lab Session .zip file and unzip it. Remember the path to the </a:t>
-            </a:r>
-            <a:r>
-              <a:rPr lang="en-GB" sz="1600" b="1" dirty="0"/>
-              <a:t>unzipped folder path:</a:t>
-            </a:r>
-          </a:p>
-          <a:p>
-            <a:pPr marL="342900" indent="-342900">
-              <a:buFont typeface="+mj-lt"/>
-              <a:buAutoNum type="arabicPeriod"/>
-            </a:pPr>
-            <a:endParaRPr lang="en-GB" sz="1600" dirty="0"/>
-          </a:p>
-          <a:p>
-            <a:pPr marL="342900" indent="-342900">
-              <a:buFont typeface="+mj-lt"/>
-              <a:buAutoNum type="arabicPeriod"/>
-            </a:pPr>
-            <a:endParaRPr lang="en-GB" sz="1600" dirty="0"/>
-          </a:p>
-          <a:p>
-            <a:pPr marL="342900" indent="-342900">
-              <a:buFont typeface="+mj-lt"/>
-              <a:buAutoNum type="arabicPeriod"/>
-            </a:pPr>
-            <a:r>
-              <a:rPr lang="en-GB" sz="1600" dirty="0"/>
-              <a:t>Execute the following command to run docker container (In Windows explicitly write the </a:t>
-            </a:r>
-            <a:r>
-              <a:rPr kumimoji="0" lang="en-US" altLang="en-US" sz="1600" b="0" i="1" u="none" strike="noStrike" cap="none" normalizeH="0" baseline="0" dirty="0">
-                <a:ln>
-                  <a:noFill/>
-                </a:ln>
-                <a:solidFill>
-                  <a:srgbClr val="24292E"/>
-                </a:solidFill>
-                <a:effectLst/>
-                <a:latin typeface="SFMono-Regular"/>
-              </a:rPr>
-              <a:t>PATH_TO_EXERCISES )</a:t>
-            </a:r>
-            <a:r>
-              <a:rPr lang="en-GB" sz="1600" dirty="0"/>
-              <a:t>:</a:t>
-            </a:r>
+              <a:t>Execute the following command to run docker container</a:t>
+            </a:r>
+            <a:endParaRPr lang="it-IT" sz="1600" dirty="0"/>
           </a:p>
           <a:p>
             <a:pPr marL="342900" indent="-342900">
@@ -7896,12 +7790,97 @@
               <a:t> </a:t>
             </a:r>
           </a:p>
-          <a:p>
-            <a:pPr marL="342900" indent="-342900">
-              <a:buFont typeface="+mj-lt"/>
-              <a:buAutoNum type="arabicPeriod"/>
-            </a:pPr>
-            <a:endParaRPr lang="it-IT" sz="1600" dirty="0"/>
+        </p:txBody>
+      </p:sp>
+      <p:sp>
+        <p:nvSpPr>
+          <p:cNvPr id="2" name="Titolo 1">
+            <a:extLst>
+              <a:ext uri="{FF2B5EF4-FFF2-40B4-BE49-F238E27FC236}">
+                <a16:creationId xmlns:a16="http://schemas.microsoft.com/office/drawing/2014/main" id="{A3EBBD06-D7F7-4BCF-A9C5-DF5E66E37FB6}"/>
+              </a:ext>
+            </a:extLst>
+          </p:cNvPr>
+          <p:cNvSpPr>
+            <a:spLocks noGrp="1"/>
+          </p:cNvSpPr>
+          <p:nvPr>
+            <p:ph type="title"/>
+          </p:nvPr>
+        </p:nvSpPr>
+        <p:spPr/>
+        <p:txBody>
+          <a:bodyPr>
+            <a:normAutofit fontScale="90000"/>
+          </a:bodyPr>
+          <a:lstStyle/>
+          <a:p>
+            <a:r>
+              <a:rPr lang="en-GB" dirty="0"/>
+              <a:t>Step 2: Build and Run Docker Container</a:t>
+            </a:r>
+          </a:p>
+        </p:txBody>
+      </p:sp>
+      <p:sp>
+        <p:nvSpPr>
+          <p:cNvPr id="4" name="Segnaposto data 3">
+            <a:extLst>
+              <a:ext uri="{FF2B5EF4-FFF2-40B4-BE49-F238E27FC236}">
+                <a16:creationId xmlns:a16="http://schemas.microsoft.com/office/drawing/2014/main" id="{B176CF24-AA45-4FDE-951D-F37AD6A9C917}"/>
+              </a:ext>
+            </a:extLst>
+          </p:cNvPr>
+          <p:cNvSpPr>
+            <a:spLocks noGrp="1"/>
+          </p:cNvSpPr>
+          <p:nvPr>
+            <p:ph type="dt" sz="half" idx="10"/>
+          </p:nvPr>
+        </p:nvSpPr>
+        <p:spPr>
+          <a:xfrm>
+            <a:off x="411892" y="6361329"/>
+            <a:ext cx="2509108" cy="365125"/>
+          </a:xfrm>
+        </p:spPr>
+        <p:txBody>
+          <a:bodyPr/>
+          <a:lstStyle/>
+          <a:p>
+            <a:r>
+              <a:rPr lang="en-US" dirty="0"/>
+              <a:t>Initial Setup – Pierluigi Zama Ramirez</a:t>
+            </a:r>
+          </a:p>
+        </p:txBody>
+      </p:sp>
+      <p:sp>
+        <p:nvSpPr>
+          <p:cNvPr id="5" name="Segnaposto numero diapositiva 4">
+            <a:extLst>
+              <a:ext uri="{FF2B5EF4-FFF2-40B4-BE49-F238E27FC236}">
+                <a16:creationId xmlns:a16="http://schemas.microsoft.com/office/drawing/2014/main" id="{0EE75275-A594-4CE5-988C-3B24E757DFAA}"/>
+              </a:ext>
+            </a:extLst>
+          </p:cNvPr>
+          <p:cNvSpPr>
+            <a:spLocks noGrp="1"/>
+          </p:cNvSpPr>
+          <p:nvPr>
+            <p:ph type="sldNum" sz="quarter" idx="12"/>
+          </p:nvPr>
+        </p:nvSpPr>
+        <p:spPr/>
+        <p:txBody>
+          <a:bodyPr/>
+          <a:lstStyle/>
+          <a:p>
+            <a:fld id="{21D15A9C-11B4-4C77-BDEA-04E3D7D1DFC0}" type="slidenum">
+              <a:rPr lang="en-US" smtClean="0"/>
+              <a:t>3</a:t>
+            </a:fld>
+            <a:endParaRPr lang="en-US" dirty="0"/>
           </a:p>
         </p:txBody>
       </p:sp>
@@ -8048,7 +8027,7 @@
         </p:nvSpPr>
         <p:spPr bwMode="auto">
           <a:xfrm>
-            <a:off x="1497635" y="4617665"/>
+            <a:off x="1666446" y="4438474"/>
             <a:ext cx="6058582" cy="215444"/>
           </a:xfrm>
           <a:prstGeom prst="rect">
@@ -8206,7 +8185,7 @@
         </p:blipFill>
         <p:spPr bwMode="auto">
           <a:xfrm>
-            <a:off x="2637614" y="5319648"/>
+            <a:off x="2991843" y="5174103"/>
             <a:ext cx="3160314" cy="1051791"/>
           </a:xfrm>
           <a:prstGeom prst="rect">
@@ -8224,134 +8203,352 @@
           </a:extLst>
         </p:spPr>
       </p:pic>
-      <p:sp>
-        <p:nvSpPr>
-          <p:cNvPr id="16" name="Rectangle 10">
+      <p:grpSp>
+        <p:nvGrpSpPr>
+          <p:cNvPr id="21" name="Gruppo 20">
             <a:extLst>
               <a:ext uri="{FF2B5EF4-FFF2-40B4-BE49-F238E27FC236}">
-                <a16:creationId xmlns:a16="http://schemas.microsoft.com/office/drawing/2014/main" id="{B2D4CCAC-B084-45B3-AF62-5B80A5C75151}"/>
+                <a16:creationId xmlns:a16="http://schemas.microsoft.com/office/drawing/2014/main" id="{57C89DB7-E493-49D1-9822-685CEC469657}"/>
               </a:ext>
             </a:extLst>
           </p:cNvPr>
-          <p:cNvSpPr>
-            <a:spLocks noChangeArrowheads="1"/>
-          </p:cNvSpPr>
+          <p:cNvGrpSpPr/>
           <p:nvPr/>
-        </p:nvSpPr>
-        <p:spPr bwMode="auto">
-          <a:xfrm>
-            <a:off x="2720759" y="3648771"/>
-            <a:ext cx="2994025" cy="215444"/>
-          </a:xfrm>
-          <a:prstGeom prst="rect">
-            <a:avLst/>
-          </a:prstGeom>
-          <a:solidFill>
-            <a:srgbClr val="F6F8FA"/>
-          </a:solidFill>
-          <a:ln>
+        </p:nvGrpSpPr>
+        <p:grpSpPr>
+          <a:xfrm>
+            <a:off x="628502" y="3313509"/>
+            <a:ext cx="3719288" cy="723275"/>
+            <a:chOff x="623318" y="3278114"/>
+            <a:chExt cx="3719288" cy="723275"/>
+          </a:xfrm>
+        </p:grpSpPr>
+        <p:sp>
+          <p:nvSpPr>
+            <p:cNvPr id="8" name="CasellaDiTesto 7">
+              <a:extLst>
+                <a:ext uri="{FF2B5EF4-FFF2-40B4-BE49-F238E27FC236}">
+                  <a16:creationId xmlns:a16="http://schemas.microsoft.com/office/drawing/2014/main" id="{65754BD1-BD50-4B82-A60F-D667B53DA1E1}"/>
+                </a:ext>
+              </a:extLst>
+            </p:cNvPr>
+            <p:cNvSpPr txBox="1"/>
+            <p:nvPr/>
+          </p:nvSpPr>
+          <p:spPr>
+            <a:xfrm>
+              <a:off x="623318" y="3278114"/>
+              <a:ext cx="3719288" cy="723275"/>
+            </a:xfrm>
+            <a:prstGeom prst="rect">
+              <a:avLst/>
+            </a:prstGeom>
             <a:noFill/>
-          </a:ln>
-          <a:effectLst/>
-          <a:extLst>
-            <a:ext uri="{91240B29-F687-4F45-9708-019B960494DF}">
-              <a14:hiddenLine xmlns:a14="http://schemas.microsoft.com/office/drawing/2010/main" w="9525">
-                <a:solidFill>
-                  <a:schemeClr val="tx1"/>
-                </a:solidFill>
-                <a:miter lim="800000"/>
-                <a:headEnd/>
-                <a:tailEnd/>
-              </a14:hiddenLine>
-            </a:ext>
-            <a:ext uri="{AF507438-7753-43E0-B8FC-AC1667EBCBE1}">
-              <a14:hiddenEffects xmlns:a14="http://schemas.microsoft.com/office/drawing/2010/main">
-                <a:effectLst>
-                  <a:outerShdw dist="35921" dir="2700000" algn="ctr" rotWithShape="0">
-                    <a:schemeClr val="bg2"/>
-                  </a:outerShdw>
-                </a:effectLst>
-              </a14:hiddenEffects>
-            </a:ext>
-          </a:extLst>
-        </p:spPr>
-        <p:txBody>
-          <a:bodyPr vert="horz" wrap="none" lIns="0" tIns="0" rIns="0" bIns="0" numCol="1" anchor="ctr" anchorCtr="0" compatLnSpc="1">
-            <a:prstTxWarp prst="textNoShape">
+          </p:spPr>
+          <p:txBody>
+            <a:bodyPr wrap="none" rtlCol="0">
+              <a:spAutoFit/>
+            </a:bodyPr>
+            <a:lstStyle/>
+            <a:p>
+              <a:r>
+                <a:rPr lang="en-GB" sz="1600" dirty="0"/>
+                <a:t>In Ubuntu: </a:t>
+              </a:r>
+            </a:p>
+            <a:p>
+              <a:endParaRPr lang="en-GB" sz="1600" dirty="0"/>
+            </a:p>
+            <a:p>
+              <a:r>
+                <a:rPr lang="en-GB" sz="900" dirty="0"/>
+                <a:t>For instance </a:t>
+              </a:r>
+              <a:r>
+                <a:rPr lang="en-GB" sz="900" i="1" dirty="0"/>
+                <a:t>PATH_TO_EXERCISES=“/home/</a:t>
+              </a:r>
+              <a:r>
+                <a:rPr lang="en-GB" sz="900" i="1" dirty="0" err="1"/>
+                <a:t>pippo</a:t>
+              </a:r>
+              <a:r>
+                <a:rPr lang="en-GB" sz="900" i="1" dirty="0"/>
+                <a:t>/Downloads/LabSession1”</a:t>
+              </a:r>
+              <a:endParaRPr lang="en-GB" sz="900" dirty="0"/>
+            </a:p>
+          </p:txBody>
+        </p:sp>
+        <p:sp>
+          <p:nvSpPr>
+            <p:cNvPr id="16" name="Rectangle 10">
+              <a:extLst>
+                <a:ext uri="{FF2B5EF4-FFF2-40B4-BE49-F238E27FC236}">
+                  <a16:creationId xmlns:a16="http://schemas.microsoft.com/office/drawing/2014/main" id="{B2D4CCAC-B084-45B3-AF62-5B80A5C75151}"/>
+                </a:ext>
+              </a:extLst>
+            </p:cNvPr>
+            <p:cNvSpPr>
+              <a:spLocks noChangeArrowheads="1"/>
+            </p:cNvSpPr>
+            <p:nvPr/>
+          </p:nvSpPr>
+          <p:spPr bwMode="auto">
+            <a:xfrm>
+              <a:off x="699935" y="3556161"/>
+              <a:ext cx="3011658" cy="215444"/>
+            </a:xfrm>
+            <a:prstGeom prst="rect">
               <a:avLst/>
-            </a:prstTxWarp>
-            <a:spAutoFit/>
-          </a:bodyPr>
-          <a:lstStyle/>
-          <a:p>
-            <a:pPr marL="0" marR="0" lvl="0" indent="0" algn="l" defTabSz="914400" rtl="0" eaLnBrk="0" fontAlgn="base" latinLnBrk="0" hangingPunct="0">
-              <a:lnSpc>
-                <a:spcPct val="100000"/>
-              </a:lnSpc>
-              <a:spcBef>
-                <a:spcPct val="0"/>
-              </a:spcBef>
-              <a:spcAft>
-                <a:spcPct val="0"/>
-              </a:spcAft>
-              <a:buClrTx/>
-              <a:buSzTx/>
-              <a:buFontTx/>
-              <a:buNone/>
-              <a:tabLst/>
-            </a:pPr>
-            <a:r>
-              <a:rPr kumimoji="0" lang="en-US" altLang="en-US" sz="1400" b="0" i="1" u="none" strike="noStrike" cap="none" normalizeH="0" baseline="0" dirty="0">
-                <a:ln>
-                  <a:noFill/>
-                </a:ln>
-                <a:solidFill>
-                  <a:srgbClr val="24292E"/>
-                </a:solidFill>
-                <a:effectLst/>
-                <a:latin typeface="SFMono-Regular"/>
-              </a:rPr>
-              <a:t>PATH_TO_EXERCISES=/path/to/</a:t>
-            </a:r>
-            <a:r>
-              <a:rPr kumimoji="0" lang="en-US" altLang="en-US" sz="1400" b="0" i="1" u="none" strike="noStrike" cap="none" normalizeH="0" baseline="0" dirty="0" err="1">
-                <a:ln>
-                  <a:noFill/>
-                </a:ln>
-                <a:solidFill>
-                  <a:srgbClr val="24292E"/>
-                </a:solidFill>
-                <a:effectLst/>
-                <a:latin typeface="SFMono-Regular"/>
-              </a:rPr>
-              <a:t>excercise</a:t>
-            </a:r>
-            <a:r>
-              <a:rPr kumimoji="0" lang="en-US" altLang="en-US" sz="1400" b="0" i="1" u="none" strike="noStrike" cap="none" normalizeH="0" baseline="0" dirty="0">
-                <a:ln>
-                  <a:noFill/>
-                </a:ln>
-                <a:solidFill>
-                  <a:srgbClr val="24292E"/>
-                </a:solidFill>
-                <a:effectLst/>
-                <a:latin typeface="SFMono-Regular"/>
-              </a:rPr>
-              <a:t> </a:t>
-            </a:r>
-            <a:endParaRPr kumimoji="0" lang="en-US" altLang="en-US" sz="1400" b="0" i="1" u="none" strike="noStrike" cap="none" normalizeH="0" baseline="0" dirty="0">
-              <a:ln>
-                <a:noFill/>
-              </a:ln>
-              <a:solidFill>
-                <a:schemeClr val="tx1"/>
-              </a:solidFill>
-              <a:effectLst/>
-              <a:latin typeface="Arial" panose="020B0604020202020204" pitchFamily="34" charset="0"/>
-            </a:endParaRPr>
-          </a:p>
-        </p:txBody>
-      </p:sp>
+            </a:prstGeom>
+            <a:solidFill>
+              <a:srgbClr val="F6F8FA"/>
+            </a:solidFill>
+            <a:ln>
+              <a:noFill/>
+            </a:ln>
+            <a:effectLst/>
+            <a:extLst>
+              <a:ext uri="{91240B29-F687-4F45-9708-019B960494DF}">
+                <a14:hiddenLine xmlns:a14="http://schemas.microsoft.com/office/drawing/2010/main" w="9525">
+                  <a:solidFill>
+                    <a:schemeClr val="tx1"/>
+                  </a:solidFill>
+                  <a:miter lim="800000"/>
+                  <a:headEnd/>
+                  <a:tailEnd/>
+                </a14:hiddenLine>
+              </a:ext>
+              <a:ext uri="{AF507438-7753-43E0-B8FC-AC1667EBCBE1}">
+                <a14:hiddenEffects xmlns:a14="http://schemas.microsoft.com/office/drawing/2010/main">
+                  <a:effectLst>
+                    <a:outerShdw dist="35921" dir="2700000" algn="ctr" rotWithShape="0">
+                      <a:schemeClr val="bg2"/>
+                    </a:outerShdw>
+                  </a:effectLst>
+                </a14:hiddenEffects>
+              </a:ext>
+            </a:extLst>
+          </p:spPr>
+          <p:txBody>
+            <a:bodyPr vert="horz" wrap="none" lIns="0" tIns="0" rIns="0" bIns="0" numCol="1" anchor="ctr" anchorCtr="0" compatLnSpc="1">
+              <a:prstTxWarp prst="textNoShape">
+                <a:avLst/>
+              </a:prstTxWarp>
+              <a:spAutoFit/>
+            </a:bodyPr>
+            <a:lstStyle/>
+            <a:p>
+              <a:pPr marL="0" marR="0" lvl="0" indent="0" algn="l" defTabSz="914400" rtl="0" eaLnBrk="0" fontAlgn="base" latinLnBrk="0" hangingPunct="0">
+                <a:lnSpc>
+                  <a:spcPct val="100000"/>
+                </a:lnSpc>
+                <a:spcBef>
+                  <a:spcPct val="0"/>
+                </a:spcBef>
+                <a:spcAft>
+                  <a:spcPct val="0"/>
+                </a:spcAft>
+                <a:buClrTx/>
+                <a:buSzTx/>
+                <a:buFontTx/>
+                <a:buNone/>
+                <a:tabLst/>
+              </a:pPr>
+              <a:r>
+                <a:rPr kumimoji="0" lang="en-US" altLang="en-US" sz="1400" b="0" u="none" strike="noStrike" cap="none" normalizeH="0" baseline="0" dirty="0">
+                  <a:ln>
+                    <a:noFill/>
+                  </a:ln>
+                  <a:solidFill>
+                    <a:srgbClr val="24292E"/>
+                  </a:solidFill>
+                  <a:effectLst/>
+                  <a:latin typeface="SFMono-Regular"/>
+                </a:rPr>
+                <a:t>PATH_TO_EXERCISES=“/path/to/exercise”</a:t>
+              </a:r>
+              <a:endParaRPr lang="en-US" altLang="en-US" sz="1400" dirty="0">
+                <a:latin typeface="Arial" panose="020B0604020202020204" pitchFamily="34" charset="0"/>
+              </a:endParaRPr>
+            </a:p>
+          </p:txBody>
+        </p:sp>
+      </p:grpSp>
+      <p:grpSp>
+        <p:nvGrpSpPr>
+          <p:cNvPr id="22" name="Gruppo 21">
+            <a:extLst>
+              <a:ext uri="{FF2B5EF4-FFF2-40B4-BE49-F238E27FC236}">
+                <a16:creationId xmlns:a16="http://schemas.microsoft.com/office/drawing/2014/main" id="{E17139E6-B219-4ACF-9088-896CD4ACC224}"/>
+              </a:ext>
+            </a:extLst>
+          </p:cNvPr>
+          <p:cNvGrpSpPr/>
+          <p:nvPr/>
+        </p:nvGrpSpPr>
+        <p:grpSpPr>
+          <a:xfrm>
+            <a:off x="4695737" y="3313509"/>
+            <a:ext cx="3910045" cy="723275"/>
+            <a:chOff x="4698308" y="3302245"/>
+            <a:chExt cx="3910045" cy="723275"/>
+          </a:xfrm>
+        </p:grpSpPr>
+        <p:sp>
+          <p:nvSpPr>
+            <p:cNvPr id="19" name="CasellaDiTesto 18">
+              <a:extLst>
+                <a:ext uri="{FF2B5EF4-FFF2-40B4-BE49-F238E27FC236}">
+                  <a16:creationId xmlns:a16="http://schemas.microsoft.com/office/drawing/2014/main" id="{8D9E961D-C96B-4F1D-9F40-CCB4CA8C9A71}"/>
+                </a:ext>
+              </a:extLst>
+            </p:cNvPr>
+            <p:cNvSpPr txBox="1"/>
+            <p:nvPr/>
+          </p:nvSpPr>
+          <p:spPr>
+            <a:xfrm>
+              <a:off x="4698308" y="3302245"/>
+              <a:ext cx="3910045" cy="723275"/>
+            </a:xfrm>
+            <a:prstGeom prst="rect">
+              <a:avLst/>
+            </a:prstGeom>
+            <a:noFill/>
+          </p:spPr>
+          <p:txBody>
+            <a:bodyPr wrap="none" rtlCol="0">
+              <a:spAutoFit/>
+            </a:bodyPr>
+            <a:lstStyle/>
+            <a:p>
+              <a:r>
+                <a:rPr lang="en-GB" sz="1600" dirty="0"/>
+                <a:t>In Windows: </a:t>
+              </a:r>
+            </a:p>
+            <a:p>
+              <a:endParaRPr lang="en-GB" sz="1600" dirty="0"/>
+            </a:p>
+            <a:p>
+              <a:r>
+                <a:rPr lang="en-GB" sz="900" dirty="0"/>
+                <a:t>For instance $</a:t>
+              </a:r>
+              <a:r>
+                <a:rPr lang="en-GB" sz="900" i="1" dirty="0"/>
+                <a:t>PATH_TO_EXERCISES=“C:\Users\</a:t>
+              </a:r>
+              <a:r>
+                <a:rPr lang="en-GB" sz="900" i="1" dirty="0" err="1"/>
+                <a:t>pippo</a:t>
+              </a:r>
+              <a:r>
+                <a:rPr lang="en-GB" sz="900" i="1" dirty="0"/>
+                <a:t>\Downloads\LabSession1”</a:t>
+              </a:r>
+              <a:endParaRPr lang="en-GB" sz="900" dirty="0"/>
+            </a:p>
+          </p:txBody>
+        </p:sp>
+        <p:sp>
+          <p:nvSpPr>
+            <p:cNvPr id="14" name="Rectangle 10">
+              <a:extLst>
+                <a:ext uri="{FF2B5EF4-FFF2-40B4-BE49-F238E27FC236}">
+                  <a16:creationId xmlns:a16="http://schemas.microsoft.com/office/drawing/2014/main" id="{43FE9D4F-A5B3-4C8A-B2C8-4CAC3413FD4C}"/>
+                </a:ext>
+              </a:extLst>
+            </p:cNvPr>
+            <p:cNvSpPr>
+              <a:spLocks noChangeArrowheads="1"/>
+            </p:cNvSpPr>
+            <p:nvPr/>
+          </p:nvSpPr>
+          <p:spPr bwMode="auto">
+            <a:xfrm>
+              <a:off x="4791973" y="3585891"/>
+              <a:ext cx="3103029" cy="215444"/>
+            </a:xfrm>
+            <a:prstGeom prst="rect">
+              <a:avLst/>
+            </a:prstGeom>
+            <a:solidFill>
+              <a:srgbClr val="F6F8FA"/>
+            </a:solidFill>
+            <a:ln>
+              <a:noFill/>
+            </a:ln>
+            <a:effectLst/>
+            <a:extLst>
+              <a:ext uri="{91240B29-F687-4F45-9708-019B960494DF}">
+                <a14:hiddenLine xmlns:a14="http://schemas.microsoft.com/office/drawing/2010/main" w="9525">
+                  <a:solidFill>
+                    <a:schemeClr val="tx1"/>
+                  </a:solidFill>
+                  <a:miter lim="800000"/>
+                  <a:headEnd/>
+                  <a:tailEnd/>
+                </a14:hiddenLine>
+              </a:ext>
+              <a:ext uri="{AF507438-7753-43E0-B8FC-AC1667EBCBE1}">
+                <a14:hiddenEffects xmlns:a14="http://schemas.microsoft.com/office/drawing/2010/main">
+                  <a:effectLst>
+                    <a:outerShdw dist="35921" dir="2700000" algn="ctr" rotWithShape="0">
+                      <a:schemeClr val="bg2"/>
+                    </a:outerShdw>
+                  </a:effectLst>
+                </a14:hiddenEffects>
+              </a:ext>
+            </a:extLst>
+          </p:spPr>
+          <p:txBody>
+            <a:bodyPr vert="horz" wrap="none" lIns="0" tIns="0" rIns="0" bIns="0" numCol="1" anchor="ctr" anchorCtr="0" compatLnSpc="1">
+              <a:prstTxWarp prst="textNoShape">
+                <a:avLst/>
+              </a:prstTxWarp>
+              <a:spAutoFit/>
+            </a:bodyPr>
+            <a:lstStyle/>
+            <a:p>
+              <a:pPr marL="0" marR="0" lvl="0" indent="0" algn="l" defTabSz="914400" rtl="0" eaLnBrk="0" fontAlgn="base" latinLnBrk="0" hangingPunct="0">
+                <a:lnSpc>
+                  <a:spcPct val="100000"/>
+                </a:lnSpc>
+                <a:spcBef>
+                  <a:spcPct val="0"/>
+                </a:spcBef>
+                <a:spcAft>
+                  <a:spcPct val="0"/>
+                </a:spcAft>
+                <a:buClrTx/>
+                <a:buSzTx/>
+                <a:buFontTx/>
+                <a:buNone/>
+                <a:tabLst/>
+              </a:pPr>
+              <a:r>
+                <a:rPr kumimoji="0" lang="en-US" altLang="en-US" sz="1400" b="0" u="none" strike="noStrike" cap="none" normalizeH="0" baseline="0" dirty="0">
+                  <a:ln>
+                    <a:noFill/>
+                  </a:ln>
+                  <a:solidFill>
+                    <a:srgbClr val="24292E"/>
+                  </a:solidFill>
+                  <a:effectLst/>
+                  <a:latin typeface="SFMono-Regular"/>
+                </a:rPr>
+                <a:t>$PATH_TO_EXERCISES=“/path/to/exercise”</a:t>
+              </a:r>
+              <a:endParaRPr lang="en-US" altLang="en-US" sz="1400" dirty="0">
+                <a:latin typeface="Arial" panose="020B0604020202020204" pitchFamily="34" charset="0"/>
+              </a:endParaRPr>
+            </a:p>
+          </p:txBody>
+        </p:sp>
+      </p:grpSp>
     </p:spTree>
     <p:extLst>
       <p:ext uri="{BB962C8B-B14F-4D97-AF65-F5344CB8AC3E}">
@@ -8384,6 +8581,172 @@
       </p:grpSpPr>
       <p:sp>
         <p:nvSpPr>
+          <p:cNvPr id="2" name="Titolo 1">
+            <a:extLst>
+              <a:ext uri="{FF2B5EF4-FFF2-40B4-BE49-F238E27FC236}">
+                <a16:creationId xmlns:a16="http://schemas.microsoft.com/office/drawing/2014/main" id="{ADE41A40-6261-4C53-A7E2-94958E316022}"/>
+              </a:ext>
+            </a:extLst>
+          </p:cNvPr>
+          <p:cNvSpPr>
+            <a:spLocks noGrp="1"/>
+          </p:cNvSpPr>
+          <p:nvPr>
+            <p:ph type="title"/>
+          </p:nvPr>
+        </p:nvSpPr>
+        <p:spPr/>
+        <p:txBody>
+          <a:bodyPr/>
+          <a:lstStyle/>
+          <a:p>
+            <a:r>
+              <a:rPr lang="en-GB" dirty="0"/>
+              <a:t>Stop containers and delete images</a:t>
+            </a:r>
+          </a:p>
+        </p:txBody>
+      </p:sp>
+      <p:sp>
+        <p:nvSpPr>
+          <p:cNvPr id="3" name="Segnaposto contenuto 2">
+            <a:extLst>
+              <a:ext uri="{FF2B5EF4-FFF2-40B4-BE49-F238E27FC236}">
+                <a16:creationId xmlns:a16="http://schemas.microsoft.com/office/drawing/2014/main" id="{612D75B7-89BE-46E8-BEED-ACD8D5A580A2}"/>
+              </a:ext>
+            </a:extLst>
+          </p:cNvPr>
+          <p:cNvSpPr>
+            <a:spLocks noGrp="1"/>
+          </p:cNvSpPr>
+          <p:nvPr>
+            <p:ph idx="1"/>
+          </p:nvPr>
+        </p:nvSpPr>
+        <p:spPr>
+          <a:xfrm>
+            <a:off x="428368" y="3055493"/>
+            <a:ext cx="8344930" cy="1809115"/>
+          </a:xfrm>
+        </p:spPr>
+        <p:txBody>
+          <a:bodyPr/>
+          <a:lstStyle/>
+          <a:p>
+            <a:pPr marL="0" indent="0">
+              <a:buNone/>
+            </a:pPr>
+            <a:r>
+              <a:rPr lang="sv-SE" dirty="0"/>
+              <a:t>If you want to stop all the running containers and delete the images (for instance to run again step 5), you can use the following command:</a:t>
+            </a:r>
+          </a:p>
+          <a:p>
+            <a:pPr marL="0" indent="0" algn="ctr">
+              <a:buNone/>
+            </a:pPr>
+            <a:r>
+              <a:rPr lang="sv-SE" b="1" i="1" dirty="0"/>
+              <a:t>docker stop $(docker ps -aq)</a:t>
+            </a:r>
+            <a:endParaRPr lang="en-GB" b="1" i="1" dirty="0"/>
+          </a:p>
+        </p:txBody>
+      </p:sp>
+      <p:sp>
+        <p:nvSpPr>
+          <p:cNvPr id="5" name="Segnaposto numero diapositiva 4">
+            <a:extLst>
+              <a:ext uri="{FF2B5EF4-FFF2-40B4-BE49-F238E27FC236}">
+                <a16:creationId xmlns:a16="http://schemas.microsoft.com/office/drawing/2014/main" id="{3BD21108-C760-465D-B99F-5417254299C6}"/>
+              </a:ext>
+            </a:extLst>
+          </p:cNvPr>
+          <p:cNvSpPr>
+            <a:spLocks noGrp="1"/>
+          </p:cNvSpPr>
+          <p:nvPr>
+            <p:ph type="sldNum" sz="quarter" idx="12"/>
+          </p:nvPr>
+        </p:nvSpPr>
+        <p:spPr/>
+        <p:txBody>
+          <a:bodyPr/>
+          <a:lstStyle/>
+          <a:p>
+            <a:fld id="{21D15A9C-11B4-4C77-BDEA-04E3D7D1DFC0}" type="slidenum">
+              <a:rPr lang="en-US" smtClean="0"/>
+              <a:t>4</a:t>
+            </a:fld>
+            <a:endParaRPr lang="en-US"/>
+          </a:p>
+        </p:txBody>
+      </p:sp>
+      <p:sp>
+        <p:nvSpPr>
+          <p:cNvPr id="6" name="Segnaposto data 3">
+            <a:extLst>
+              <a:ext uri="{FF2B5EF4-FFF2-40B4-BE49-F238E27FC236}">
+                <a16:creationId xmlns:a16="http://schemas.microsoft.com/office/drawing/2014/main" id="{071A6B47-95A8-4F1A-B559-334528F6AD8F}"/>
+              </a:ext>
+            </a:extLst>
+          </p:cNvPr>
+          <p:cNvSpPr>
+            <a:spLocks noGrp="1"/>
+          </p:cNvSpPr>
+          <p:nvPr>
+            <p:ph type="dt" sz="half" idx="10"/>
+          </p:nvPr>
+        </p:nvSpPr>
+        <p:spPr>
+          <a:xfrm>
+            <a:off x="411892" y="6361329"/>
+            <a:ext cx="2509108" cy="365125"/>
+          </a:xfrm>
+        </p:spPr>
+        <p:txBody>
+          <a:bodyPr/>
+          <a:lstStyle/>
+          <a:p>
+            <a:r>
+              <a:rPr lang="en-US" dirty="0"/>
+              <a:t>Initial Setup – Pierluigi Zama Ramirez</a:t>
+            </a:r>
+          </a:p>
+        </p:txBody>
+      </p:sp>
+    </p:spTree>
+    <p:extLst>
+      <p:ext uri="{BB962C8B-B14F-4D97-AF65-F5344CB8AC3E}">
+        <p14:creationId xmlns:p14="http://schemas.microsoft.com/office/powerpoint/2010/main" val="2656631641"/>
+      </p:ext>
+    </p:extLst>
+  </p:cSld>
+  <p:clrMapOvr>
+    <a:masterClrMapping/>
+  </p:clrMapOvr>
+</p:sld>
+</file>
+
+<file path=ppt/slides/slide5.xml><?xml version="1.0" encoding="utf-8"?>
+<p:sld xmlns:a="http://schemas.openxmlformats.org/drawingml/2006/main" xmlns:r="http://schemas.openxmlformats.org/officeDocument/2006/relationships" xmlns:p="http://schemas.openxmlformats.org/presentationml/2006/main">
+  <p:cSld>
+    <p:spTree>
+      <p:nvGrpSpPr>
+        <p:cNvPr id="1" name=""/>
+        <p:cNvGrpSpPr/>
+        <p:nvPr/>
+      </p:nvGrpSpPr>
+      <p:grpSpPr>
+        <a:xfrm>
+          <a:off x="0" y="0"/>
+          <a:ext cx="0" cy="0"/>
+          <a:chOff x="0" y="0"/>
+          <a:chExt cx="0" cy="0"/>
+        </a:xfrm>
+      </p:grpSpPr>
+      <p:sp>
+        <p:nvSpPr>
           <p:cNvPr id="2" name="Title 1">
             <a:extLst>
               <a:ext uri="{FF2B5EF4-FFF2-40B4-BE49-F238E27FC236}">
@@ -8531,7 +8894,7 @@
           <a:p>
             <a:fld id="{21D15A9C-11B4-4C77-BDEA-04E3D7D1DFC0}" type="slidenum">
               <a:rPr lang="en-US" smtClean="0"/>
-              <a:t>4</a:t>
+              <a:t>5</a:t>
             </a:fld>
             <a:endParaRPr lang="en-US"/>
           </a:p>

--- a/LabSession0 - Initial Setup with Docker.pptx
+++ b/LabSession0 - Initial Setup with Docker.pptx
@@ -227,7 +227,7 @@
           <a:p>
             <a:fld id="{2CC5598C-FF10-4AF1-BC63-A7C8964CD468}" type="datetimeFigureOut">
               <a:rPr lang="en-US" smtClean="0"/>
-              <a:t>10/12/2020</a:t>
+              <a:t>9/26/2022</a:t>
             </a:fld>
             <a:endParaRPr lang="en-US"/>
           </a:p>
@@ -7143,30 +7143,9 @@
               </a:rPr>
               <a:t>ierluigi.zama@unibo.it</a:t>
             </a:r>
-            <a:r>
-              <a:rPr lang="en-US" u="sng" dirty="0">
-                <a:latin typeface="Calibri" pitchFamily="34" charset="0"/>
-              </a:rPr>
-              <a:t>      </a:t>
-            </a:r>
-            <a:r>
-              <a:rPr lang="en-US" sz="2800" dirty="0">
-                <a:latin typeface="Calibri" pitchFamily="34" charset="0"/>
-              </a:rPr>
-              <a:t>     </a:t>
-            </a:r>
-            <a:r>
-              <a:rPr lang="en-US" dirty="0">
-                <a:latin typeface="Calibri" pitchFamily="34" charset="0"/>
-              </a:rPr>
-              <a:t>Riccardo Spezialetti – </a:t>
-            </a:r>
-            <a:r>
-              <a:rPr lang="en-US" u="sng" dirty="0">
-                <a:latin typeface="Calibri" pitchFamily="34" charset="0"/>
-              </a:rPr>
-              <a:t>riccardo.spezialetti@unibo.it</a:t>
-            </a:r>
+            <a:endParaRPr lang="en-US" u="sng" dirty="0">
+              <a:latin typeface="Calibri" pitchFamily="34" charset="0"/>
+            </a:endParaRPr>
           </a:p>
         </p:txBody>
       </p:sp>

--- a/LabSession0 - Initial Setup with Docker.pptx
+++ b/LabSession0 - Initial Setup with Docker.pptx
@@ -227,7 +227,7 @@
           <a:p>
             <a:fld id="{2CC5598C-FF10-4AF1-BC63-A7C8964CD468}" type="datetimeFigureOut">
               <a:rPr lang="en-US" smtClean="0"/>
-              <a:t>9/26/2022</a:t>
+              <a:t>9/17/2024</a:t>
             </a:fld>
             <a:endParaRPr lang="en-US"/>
           </a:p>
@@ -7076,81 +7076,6 @@
       </p:sp>
       <p:sp>
         <p:nvSpPr>
-          <p:cNvPr id="16" name="Sottotitolo 15">
-            <a:extLst>
-              <a:ext uri="{FF2B5EF4-FFF2-40B4-BE49-F238E27FC236}">
-                <a16:creationId xmlns:a16="http://schemas.microsoft.com/office/drawing/2014/main" id="{1003F205-B3C3-43B7-A6C2-E3A1DCC7BD0E}"/>
-              </a:ext>
-            </a:extLst>
-          </p:cNvPr>
-          <p:cNvSpPr>
-            <a:spLocks noGrp="1"/>
-          </p:cNvSpPr>
-          <p:nvPr>
-            <p:ph type="subTitle" idx="1"/>
-          </p:nvPr>
-        </p:nvSpPr>
-        <p:spPr>
-          <a:xfrm>
-            <a:off x="387350" y="4656847"/>
-            <a:ext cx="8267700" cy="1267298"/>
-          </a:xfrm>
-        </p:spPr>
-        <p:txBody>
-          <a:bodyPr/>
-          <a:lstStyle/>
-          <a:p>
-            <a:r>
-              <a:rPr lang="en-US" sz="2800" dirty="0">
-                <a:latin typeface="Calibri" pitchFamily="34" charset="0"/>
-              </a:rPr>
-              <a:t>Prof: Luigi di Stefano - </a:t>
-            </a:r>
-            <a:r>
-              <a:rPr lang="en-US" sz="2800" u="sng" dirty="0">
-                <a:latin typeface="Calibri" pitchFamily="34" charset="0"/>
-              </a:rPr>
-              <a:t>luigi.distefano@unibo.it</a:t>
-            </a:r>
-            <a:br>
-              <a:rPr lang="en-US" sz="2800" dirty="0">
-                <a:latin typeface="Calibri" pitchFamily="34" charset="0"/>
-              </a:rPr>
-            </a:br>
-            <a:r>
-              <a:rPr lang="en-US" sz="2800" dirty="0">
-                <a:latin typeface="Calibri" pitchFamily="34" charset="0"/>
-              </a:rPr>
-              <a:t>T</a:t>
-            </a:r>
-            <a:r>
-              <a:rPr lang="en-US" dirty="0">
-                <a:latin typeface="Calibri" pitchFamily="34" charset="0"/>
-              </a:rPr>
-              <a:t>utors: Pierluigi Zama Ramirez - </a:t>
-            </a:r>
-            <a:r>
-              <a:rPr lang="en-US" dirty="0">
-                <a:latin typeface="Calibri" pitchFamily="34" charset="0"/>
-                <a:hlinkClick r:id="rId3"/>
-              </a:rPr>
-              <a:t>p</a:t>
-            </a:r>
-            <a:r>
-              <a:rPr lang="en-US" u="sng" dirty="0">
-                <a:latin typeface="Calibri" pitchFamily="34" charset="0"/>
-                <a:hlinkClick r:id="rId3"/>
-              </a:rPr>
-              <a:t>ierluigi.zama@unibo.it</a:t>
-            </a:r>
-            <a:endParaRPr lang="en-US" u="sng" dirty="0">
-              <a:latin typeface="Calibri" pitchFamily="34" charset="0"/>
-            </a:endParaRPr>
-          </a:p>
-        </p:txBody>
-      </p:sp>
-      <p:sp>
-        <p:nvSpPr>
           <p:cNvPr id="18" name="Segnaposto testo 17">
             <a:extLst>
               <a:ext uri="{FF2B5EF4-FFF2-40B4-BE49-F238E27FC236}">
@@ -7185,6 +7110,261 @@
               <a:t>Computer Vision and Image Processing</a:t>
             </a:r>
             <a:endParaRPr lang="en-GB" dirty="0"/>
+          </a:p>
+        </p:txBody>
+      </p:sp>
+      <p:sp>
+        <p:nvSpPr>
+          <p:cNvPr id="4" name="Sottotitolo 15">
+            <a:extLst>
+              <a:ext uri="{FF2B5EF4-FFF2-40B4-BE49-F238E27FC236}">
+                <a16:creationId xmlns:a16="http://schemas.microsoft.com/office/drawing/2014/main" id="{82ABF0A3-FF05-24EF-7E0F-06956BE79B3E}"/>
+              </a:ext>
+            </a:extLst>
+          </p:cNvPr>
+          <p:cNvSpPr txBox="1">
+            <a:spLocks/>
+          </p:cNvSpPr>
+          <p:nvPr/>
+        </p:nvSpPr>
+        <p:spPr>
+          <a:xfrm>
+            <a:off x="387350" y="4656847"/>
+            <a:ext cx="8267700" cy="1267298"/>
+          </a:xfrm>
+          <a:prstGeom prst="rect">
+            <a:avLst/>
+          </a:prstGeom>
+        </p:spPr>
+        <p:txBody>
+          <a:bodyPr/>
+          <a:lstStyle>
+            <a:lvl1pPr marL="0" indent="0" algn="ctr" defTabSz="914400" rtl="0" eaLnBrk="1" latinLnBrk="0" hangingPunct="1">
+              <a:lnSpc>
+                <a:spcPct val="90000"/>
+              </a:lnSpc>
+              <a:spcBef>
+                <a:spcPts val="1000"/>
+              </a:spcBef>
+              <a:buFont typeface="Arial" panose="020B0604020202020204" pitchFamily="34" charset="0"/>
+              <a:buNone/>
+              <a:defRPr sz="2400" kern="1200">
+                <a:solidFill>
+                  <a:srgbClr val="0070C0"/>
+                </a:solidFill>
+                <a:latin typeface="Tw Cen MT" panose="020B0602020104020603" pitchFamily="34" charset="0"/>
+                <a:ea typeface="+mn-ea"/>
+                <a:cs typeface="+mn-cs"/>
+              </a:defRPr>
+            </a:lvl1pPr>
+            <a:lvl2pPr marL="457200" indent="0" algn="ctr" defTabSz="914400" rtl="0" eaLnBrk="1" latinLnBrk="0" hangingPunct="1">
+              <a:lnSpc>
+                <a:spcPct val="90000"/>
+              </a:lnSpc>
+              <a:spcBef>
+                <a:spcPts val="500"/>
+              </a:spcBef>
+              <a:buFont typeface="Arial" panose="020B0604020202020204" pitchFamily="34" charset="0"/>
+              <a:buNone/>
+              <a:defRPr sz="2000" kern="1200">
+                <a:solidFill>
+                  <a:schemeClr val="tx1"/>
+                </a:solidFill>
+                <a:latin typeface="+mn-lt"/>
+                <a:ea typeface="+mn-ea"/>
+                <a:cs typeface="+mn-cs"/>
+              </a:defRPr>
+            </a:lvl2pPr>
+            <a:lvl3pPr marL="914400" indent="0" algn="ctr" defTabSz="914400" rtl="0" eaLnBrk="1" latinLnBrk="0" hangingPunct="1">
+              <a:lnSpc>
+                <a:spcPct val="90000"/>
+              </a:lnSpc>
+              <a:spcBef>
+                <a:spcPts val="500"/>
+              </a:spcBef>
+              <a:buFont typeface="Arial" panose="020B0604020202020204" pitchFamily="34" charset="0"/>
+              <a:buNone/>
+              <a:defRPr sz="1800" kern="1200">
+                <a:solidFill>
+                  <a:schemeClr val="tx1"/>
+                </a:solidFill>
+                <a:latin typeface="+mn-lt"/>
+                <a:ea typeface="+mn-ea"/>
+                <a:cs typeface="+mn-cs"/>
+              </a:defRPr>
+            </a:lvl3pPr>
+            <a:lvl4pPr marL="1371600" indent="0" algn="ctr" defTabSz="914400" rtl="0" eaLnBrk="1" latinLnBrk="0" hangingPunct="1">
+              <a:lnSpc>
+                <a:spcPct val="90000"/>
+              </a:lnSpc>
+              <a:spcBef>
+                <a:spcPts val="500"/>
+              </a:spcBef>
+              <a:buFont typeface="Arial" panose="020B0604020202020204" pitchFamily="34" charset="0"/>
+              <a:buNone/>
+              <a:defRPr sz="1600" kern="1200">
+                <a:solidFill>
+                  <a:schemeClr val="tx1"/>
+                </a:solidFill>
+                <a:latin typeface="+mn-lt"/>
+                <a:ea typeface="+mn-ea"/>
+                <a:cs typeface="+mn-cs"/>
+              </a:defRPr>
+            </a:lvl4pPr>
+            <a:lvl5pPr marL="1828800" indent="0" algn="ctr" defTabSz="914400" rtl="0" eaLnBrk="1" latinLnBrk="0" hangingPunct="1">
+              <a:lnSpc>
+                <a:spcPct val="90000"/>
+              </a:lnSpc>
+              <a:spcBef>
+                <a:spcPts val="500"/>
+              </a:spcBef>
+              <a:buFont typeface="Arial" panose="020B0604020202020204" pitchFamily="34" charset="0"/>
+              <a:buNone/>
+              <a:defRPr sz="1600" kern="1200">
+                <a:solidFill>
+                  <a:schemeClr val="tx1"/>
+                </a:solidFill>
+                <a:latin typeface="+mn-lt"/>
+                <a:ea typeface="+mn-ea"/>
+                <a:cs typeface="+mn-cs"/>
+              </a:defRPr>
+            </a:lvl5pPr>
+            <a:lvl6pPr marL="2286000" indent="0" algn="ctr" defTabSz="914400" rtl="0" eaLnBrk="1" latinLnBrk="0" hangingPunct="1">
+              <a:lnSpc>
+                <a:spcPct val="90000"/>
+              </a:lnSpc>
+              <a:spcBef>
+                <a:spcPts val="500"/>
+              </a:spcBef>
+              <a:buFont typeface="Arial" panose="020B0604020202020204" pitchFamily="34" charset="0"/>
+              <a:buNone/>
+              <a:defRPr sz="1600" kern="1200">
+                <a:solidFill>
+                  <a:schemeClr val="tx1"/>
+                </a:solidFill>
+                <a:latin typeface="+mn-lt"/>
+                <a:ea typeface="+mn-ea"/>
+                <a:cs typeface="+mn-cs"/>
+              </a:defRPr>
+            </a:lvl6pPr>
+            <a:lvl7pPr marL="2743200" indent="0" algn="ctr" defTabSz="914400" rtl="0" eaLnBrk="1" latinLnBrk="0" hangingPunct="1">
+              <a:lnSpc>
+                <a:spcPct val="90000"/>
+              </a:lnSpc>
+              <a:spcBef>
+                <a:spcPts val="500"/>
+              </a:spcBef>
+              <a:buFont typeface="Arial" panose="020B0604020202020204" pitchFamily="34" charset="0"/>
+              <a:buNone/>
+              <a:defRPr sz="1600" kern="1200">
+                <a:solidFill>
+                  <a:schemeClr val="tx1"/>
+                </a:solidFill>
+                <a:latin typeface="+mn-lt"/>
+                <a:ea typeface="+mn-ea"/>
+                <a:cs typeface="+mn-cs"/>
+              </a:defRPr>
+            </a:lvl7pPr>
+            <a:lvl8pPr marL="3200400" indent="0" algn="ctr" defTabSz="914400" rtl="0" eaLnBrk="1" latinLnBrk="0" hangingPunct="1">
+              <a:lnSpc>
+                <a:spcPct val="90000"/>
+              </a:lnSpc>
+              <a:spcBef>
+                <a:spcPts val="500"/>
+              </a:spcBef>
+              <a:buFont typeface="Arial" panose="020B0604020202020204" pitchFamily="34" charset="0"/>
+              <a:buNone/>
+              <a:defRPr sz="1600" kern="1200">
+                <a:solidFill>
+                  <a:schemeClr val="tx1"/>
+                </a:solidFill>
+                <a:latin typeface="+mn-lt"/>
+                <a:ea typeface="+mn-ea"/>
+                <a:cs typeface="+mn-cs"/>
+              </a:defRPr>
+            </a:lvl8pPr>
+            <a:lvl9pPr marL="3657600" indent="0" algn="ctr" defTabSz="914400" rtl="0" eaLnBrk="1" latinLnBrk="0" hangingPunct="1">
+              <a:lnSpc>
+                <a:spcPct val="90000"/>
+              </a:lnSpc>
+              <a:spcBef>
+                <a:spcPts val="500"/>
+              </a:spcBef>
+              <a:buFont typeface="Arial" panose="020B0604020202020204" pitchFamily="34" charset="0"/>
+              <a:buNone/>
+              <a:defRPr sz="1600" kern="1200">
+                <a:solidFill>
+                  <a:schemeClr val="tx1"/>
+                </a:solidFill>
+                <a:latin typeface="+mn-lt"/>
+                <a:ea typeface="+mn-ea"/>
+                <a:cs typeface="+mn-cs"/>
+              </a:defRPr>
+            </a:lvl9pPr>
+          </a:lstStyle>
+          <a:p>
+            <a:r>
+              <a:rPr lang="en-US" sz="2800">
+                <a:latin typeface="Calibri" pitchFamily="34" charset="0"/>
+              </a:rPr>
+              <a:t>Prof: Luigi di Stefano - </a:t>
+            </a:r>
+            <a:r>
+              <a:rPr lang="en-US" sz="2800" u="sng">
+                <a:latin typeface="Calibri" pitchFamily="34" charset="0"/>
+              </a:rPr>
+              <a:t>luigi.distefano@unibo.it</a:t>
+            </a:r>
+            <a:br>
+              <a:rPr lang="en-US" sz="2800">
+                <a:latin typeface="Calibri" pitchFamily="34" charset="0"/>
+              </a:rPr>
+            </a:br>
+            <a:r>
+              <a:rPr lang="en-US" sz="2800">
+                <a:latin typeface="Calibri" pitchFamily="34" charset="0"/>
+              </a:rPr>
+              <a:t>T</a:t>
+            </a:r>
+            <a:r>
+              <a:rPr lang="en-US">
+                <a:latin typeface="Calibri" pitchFamily="34" charset="0"/>
+              </a:rPr>
+              <a:t>utors: Andrea Amaduzzi - </a:t>
+            </a:r>
+            <a:r>
+              <a:rPr lang="en-US" u="sng">
+                <a:latin typeface="Calibri" pitchFamily="34" charset="0"/>
+                <a:hlinkClick r:id="rId3"/>
+              </a:rPr>
+              <a:t>andrea.amaduzzi4@unibo.it</a:t>
+            </a:r>
+            <a:r>
+              <a:rPr lang="en-US" u="sng">
+                <a:latin typeface="Calibri" pitchFamily="34" charset="0"/>
+              </a:rPr>
+              <a:t> </a:t>
+            </a:r>
+            <a:br>
+              <a:rPr lang="en-US" u="sng">
+                <a:latin typeface="Calibri" pitchFamily="34" charset="0"/>
+              </a:rPr>
+            </a:br>
+            <a:r>
+              <a:rPr lang="en-US">
+                <a:latin typeface="Calibri" pitchFamily="34" charset="0"/>
+              </a:rPr>
+              <a:t>Iacopo Curti - </a:t>
+            </a:r>
+            <a:r>
+              <a:rPr lang="en-US" u="sng">
+                <a:latin typeface="Calibri" pitchFamily="34" charset="0"/>
+              </a:rPr>
+              <a:t>iacopo.curti2@unibo.it</a:t>
+            </a:r>
+            <a:endParaRPr lang="en-US" u="sng" dirty="0">
+              <a:latin typeface="Calibri" pitchFamily="34" charset="0"/>
+            </a:endParaRPr>
           </a:p>
         </p:txBody>
       </p:sp>
@@ -7276,7 +7456,7 @@
           <a:p>
             <a:r>
               <a:rPr lang="en-US" dirty="0"/>
-              <a:t>Initial Setup – Pierluigi Zama Ramirez</a:t>
+              <a:t>Initial Setup – Andrea Amaduzzi</a:t>
             </a:r>
           </a:p>
         </p:txBody>
@@ -7829,7 +8009,7 @@
           <a:p>
             <a:r>
               <a:rPr lang="en-US" dirty="0"/>
-              <a:t>Initial Setup – Pierluigi Zama Ramirez</a:t>
+              <a:t>Initial Setup – Andrea Amaduzzi</a:t>
             </a:r>
           </a:p>
         </p:txBody>
@@ -8689,7 +8869,7 @@
           <a:p>
             <a:r>
               <a:rPr lang="en-US" dirty="0"/>
-              <a:t>Initial Setup – Pierluigi Zama Ramirez</a:t>
+              <a:t>Initial Setup – Andrea Amaduzzi</a:t>
             </a:r>
           </a:p>
         </p:txBody>
@@ -9061,7 +9241,7 @@
           <a:p>
             <a:r>
               <a:rPr lang="en-US" dirty="0"/>
-              <a:t>Initial Setup – Pierluigi Zama Ramirez</a:t>
+              <a:t>Initial Setup – Andrea Amaduzzi</a:t>
             </a:r>
           </a:p>
         </p:txBody>
